--- a/review/lecture-review-week-8.pptx
+++ b/review/lecture-review-week-8.pptx
@@ -8,10 +8,9 @@
     <p:sldId id="256" r:id="rId2"/>
     <p:sldId id="260" r:id="rId3"/>
     <p:sldId id="261" r:id="rId4"/>
-    <p:sldId id="262" r:id="rId5"/>
-    <p:sldId id="263" r:id="rId6"/>
-    <p:sldId id="269" r:id="rId7"/>
-    <p:sldId id="278" r:id="rId8"/>
+    <p:sldId id="263" r:id="rId5"/>
+    <p:sldId id="269" r:id="rId6"/>
+    <p:sldId id="278" r:id="rId7"/>
   </p:sldIdLst>
   <p:sldSz cx="12192000" cy="6858000"/>
   <p:notesSz cx="6858000" cy="9144000"/>
@@ -265,7 +264,7 @@
           <a:p>
             <a:fld id="{DAC1E4EF-1A07-8740-80B6-D041CCD5E262}" type="datetimeFigureOut">
               <a:rPr lang="en-US" smtClean="0"/>
-              <a:t>8/19/18</a:t>
+              <a:t>7/15/19</a:t>
             </a:fld>
             <a:endParaRPr lang="en-US"/>
           </a:p>
@@ -463,7 +462,7 @@
           <a:p>
             <a:fld id="{DAC1E4EF-1A07-8740-80B6-D041CCD5E262}" type="datetimeFigureOut">
               <a:rPr lang="en-US" smtClean="0"/>
-              <a:t>8/19/18</a:t>
+              <a:t>7/15/19</a:t>
             </a:fld>
             <a:endParaRPr lang="en-US"/>
           </a:p>
@@ -671,7 +670,7 @@
           <a:p>
             <a:fld id="{DAC1E4EF-1A07-8740-80B6-D041CCD5E262}" type="datetimeFigureOut">
               <a:rPr lang="en-US" smtClean="0"/>
-              <a:t>8/19/18</a:t>
+              <a:t>7/15/19</a:t>
             </a:fld>
             <a:endParaRPr lang="en-US"/>
           </a:p>
@@ -869,7 +868,7 @@
           <a:p>
             <a:fld id="{DAC1E4EF-1A07-8740-80B6-D041CCD5E262}" type="datetimeFigureOut">
               <a:rPr lang="en-US" smtClean="0"/>
-              <a:t>8/19/18</a:t>
+              <a:t>7/15/19</a:t>
             </a:fld>
             <a:endParaRPr lang="en-US"/>
           </a:p>
@@ -1144,7 +1143,7 @@
           <a:p>
             <a:fld id="{DAC1E4EF-1A07-8740-80B6-D041CCD5E262}" type="datetimeFigureOut">
               <a:rPr lang="en-US" smtClean="0"/>
-              <a:t>8/19/18</a:t>
+              <a:t>7/15/19</a:t>
             </a:fld>
             <a:endParaRPr lang="en-US"/>
           </a:p>
@@ -1409,7 +1408,7 @@
           <a:p>
             <a:fld id="{DAC1E4EF-1A07-8740-80B6-D041CCD5E262}" type="datetimeFigureOut">
               <a:rPr lang="en-US" smtClean="0"/>
-              <a:t>8/19/18</a:t>
+              <a:t>7/15/19</a:t>
             </a:fld>
             <a:endParaRPr lang="en-US"/>
           </a:p>
@@ -1821,7 +1820,7 @@
           <a:p>
             <a:fld id="{DAC1E4EF-1A07-8740-80B6-D041CCD5E262}" type="datetimeFigureOut">
               <a:rPr lang="en-US" smtClean="0"/>
-              <a:t>8/19/18</a:t>
+              <a:t>7/15/19</a:t>
             </a:fld>
             <a:endParaRPr lang="en-US"/>
           </a:p>
@@ -1962,7 +1961,7 @@
           <a:p>
             <a:fld id="{DAC1E4EF-1A07-8740-80B6-D041CCD5E262}" type="datetimeFigureOut">
               <a:rPr lang="en-US" smtClean="0"/>
-              <a:t>8/19/18</a:t>
+              <a:t>7/15/19</a:t>
             </a:fld>
             <a:endParaRPr lang="en-US"/>
           </a:p>
@@ -2075,7 +2074,7 @@
           <a:p>
             <a:fld id="{DAC1E4EF-1A07-8740-80B6-D041CCD5E262}" type="datetimeFigureOut">
               <a:rPr lang="en-US" smtClean="0"/>
-              <a:t>8/19/18</a:t>
+              <a:t>7/15/19</a:t>
             </a:fld>
             <a:endParaRPr lang="en-US"/>
           </a:p>
@@ -2386,7 +2385,7 @@
           <a:p>
             <a:fld id="{DAC1E4EF-1A07-8740-80B6-D041CCD5E262}" type="datetimeFigureOut">
               <a:rPr lang="en-US" smtClean="0"/>
-              <a:t>8/19/18</a:t>
+              <a:t>7/15/19</a:t>
             </a:fld>
             <a:endParaRPr lang="en-US"/>
           </a:p>
@@ -2674,7 +2673,7 @@
           <a:p>
             <a:fld id="{DAC1E4EF-1A07-8740-80B6-D041CCD5E262}" type="datetimeFigureOut">
               <a:rPr lang="en-US" smtClean="0"/>
-              <a:t>8/19/18</a:t>
+              <a:t>7/15/19</a:t>
             </a:fld>
             <a:endParaRPr lang="en-US"/>
           </a:p>
@@ -2915,7 +2914,7 @@
           <a:p>
             <a:fld id="{DAC1E4EF-1A07-8740-80B6-D041CCD5E262}" type="datetimeFigureOut">
               <a:rPr lang="en-US" smtClean="0"/>
-              <a:t>8/19/18</a:t>
+              <a:t>7/15/19</a:t>
             </a:fld>
             <a:endParaRPr lang="en-US"/>
           </a:p>
@@ -3670,7 +3669,7 @@
         <p:spPr/>
         <p:txBody>
           <a:bodyPr>
-            <a:normAutofit/>
+            <a:normAutofit fontScale="62500" lnSpcReduction="20000"/>
           </a:bodyPr>
           <a:lstStyle/>
           <a:p>
@@ -3687,9 +3686,13 @@
             </a:r>
           </a:p>
           <a:p>
+            <a:pPr lvl="1"/>
+            <a:endParaRPr lang="en-US" dirty="0"/>
+          </a:p>
+          <a:p>
             <a:r>
               <a:rPr lang="en-US" dirty="0"/>
-              <a:t>Principles:</a:t>
+              <a:t>Embrace change</a:t>
             </a:r>
           </a:p>
           <a:p>
@@ -3701,44 +3704,68 @@
           </a:p>
           <a:p>
             <a:pPr lvl="1"/>
+            <a:endParaRPr lang="en-US" dirty="0"/>
+          </a:p>
+          <a:p>
             <a:r>
               <a:rPr lang="en-US" dirty="0"/>
-              <a:t>Infrastructure will always need to change</a:t>
+              <a:t>Anti-fragility/ Chaos Engineering</a:t>
+            </a:r>
+          </a:p>
+          <a:p>
+            <a:endParaRPr lang="en-US" dirty="0"/>
+          </a:p>
+          <a:p>
+            <a:r>
+              <a:rPr lang="en-US" dirty="0"/>
+              <a:t>Building infrastructure as code:</a:t>
             </a:r>
           </a:p>
           <a:p>
             <a:pPr lvl="1"/>
             <a:r>
               <a:rPr lang="en-US" dirty="0"/>
-              <a:t>Use code scripts to define infrastructure</a:t>
+              <a:t>Dynamic infrastructure platform</a:t>
             </a:r>
           </a:p>
           <a:p>
             <a:pPr lvl="1"/>
             <a:r>
               <a:rPr lang="en-US" dirty="0"/>
-              <a:t>Version all of our code</a:t>
-            </a:r>
-          </a:p>
-          <a:p>
+              <a:t>Infrastructure definition tools</a:t>
+            </a:r>
+          </a:p>
+          <a:p>
+            <a:pPr lvl="1"/>
             <a:r>
               <a:rPr lang="en-US" dirty="0"/>
-              <a:t>Anti-fragility</a:t>
+              <a:t>Configuration management tools</a:t>
             </a:r>
           </a:p>
           <a:p>
             <a:pPr lvl="1"/>
+            <a:endParaRPr lang="en-US" dirty="0"/>
+          </a:p>
+          <a:p>
             <a:r>
               <a:rPr lang="en-US" dirty="0"/>
-              <a:t>We can create reliable infrastructure by breaking it.</a:t>
-            </a:r>
-          </a:p>
-          <a:p>
-            <a:pPr lvl="1"/>
+              <a:t>Procedural vs. Declarative tools</a:t>
+            </a:r>
+          </a:p>
+          <a:p>
+            <a:endParaRPr lang="en-US" dirty="0"/>
+          </a:p>
+          <a:p>
             <a:r>
               <a:rPr lang="en-US" dirty="0"/>
-              <a:t>Chaos Engineering (Chaos Monkey)</a:t>
-            </a:r>
+              <a:t>JSON &amp; YAML</a:t>
+            </a:r>
+          </a:p>
+          <a:p>
+            <a:endParaRPr lang="en-US" dirty="0"/>
+          </a:p>
+          <a:p>
+            <a:endParaRPr lang="en-US" dirty="0"/>
           </a:p>
         </p:txBody>
       </p:sp>
@@ -3825,54 +3852,68 @@
           <a:p>
             <a:r>
               <a:rPr lang="en-US" dirty="0"/>
-              <a:t>Building infrastructure as code:</a:t>
+              <a:t>CloudFormation</a:t>
             </a:r>
           </a:p>
           <a:p>
             <a:pPr lvl="1"/>
             <a:r>
               <a:rPr lang="en-US" dirty="0"/>
-              <a:t>Dynamic infrastructure platform</a:t>
+              <a:t>Parameters</a:t>
             </a:r>
           </a:p>
           <a:p>
             <a:pPr lvl="1"/>
             <a:r>
               <a:rPr lang="en-US" dirty="0"/>
-              <a:t>Infrastructure definition tools</a:t>
+              <a:t>Mappings</a:t>
             </a:r>
           </a:p>
           <a:p>
             <a:pPr lvl="1"/>
             <a:r>
               <a:rPr lang="en-US" dirty="0"/>
-              <a:t>Configuration management tools</a:t>
-            </a:r>
-          </a:p>
-          <a:p>
+              <a:t>Conditions</a:t>
+            </a:r>
+          </a:p>
+          <a:p>
+            <a:pPr lvl="1"/>
             <a:r>
               <a:rPr lang="en-US" dirty="0"/>
-              <a:t>Procedural vs. Declarative tools</a:t>
-            </a:r>
-          </a:p>
-          <a:p>
+              <a:t>Resources</a:t>
+            </a:r>
+          </a:p>
+          <a:p>
+            <a:pPr lvl="1"/>
             <a:r>
               <a:rPr lang="en-US" dirty="0"/>
-              <a:t>JavaScript Object Notation (JSON)</a:t>
-            </a:r>
-          </a:p>
-          <a:p>
+              <a:t>Outputs</a:t>
+            </a:r>
+          </a:p>
+          <a:p>
+            <a:pPr lvl="1"/>
             <a:r>
               <a:rPr lang="en-US" dirty="0"/>
-              <a:t>YAML</a:t>
-            </a:r>
+              <a:t>Intrinsic Functions</a:t>
+            </a:r>
+          </a:p>
+          <a:p>
+            <a:pPr lvl="1"/>
+            <a:r>
+              <a:rPr lang="en-US" dirty="0"/>
+              <a:t>Pseudo parameters</a:t>
+            </a:r>
+          </a:p>
+          <a:p>
+            <a:pPr lvl="1"/>
+            <a:endParaRPr lang="en-US" dirty="0"/>
           </a:p>
         </p:txBody>
       </p:sp>
     </p:spTree>
     <p:extLst>
       <p:ext uri="{BB962C8B-B14F-4D97-AF65-F5344CB8AC3E}">
-        <p14:creationId xmlns:p14="http://schemas.microsoft.com/office/powerpoint/2010/main" val="3943946959"/>
+        <p14:creationId xmlns:p14="http://schemas.microsoft.com/office/powerpoint/2010/main" val="3413926875"/>
       </p:ext>
     </p:extLst>
   </p:cSld>
@@ -3904,7 +3945,7 @@
           <p:cNvPr id="2" name="Title 1">
             <a:extLst>
               <a:ext uri="{FF2B5EF4-FFF2-40B4-BE49-F238E27FC236}">
-                <a16:creationId xmlns:a16="http://schemas.microsoft.com/office/drawing/2014/main" id="{0369C4F5-37BB-544F-875F-E71CCBC7783F}"/>
+                <a16:creationId xmlns:a16="http://schemas.microsoft.com/office/drawing/2014/main" id="{E13FF194-DC87-3B42-A050-6E8E5B014760}"/>
               </a:ext>
             </a:extLst>
           </p:cNvPr>
@@ -3922,7 +3963,7 @@
           <a:p>
             <a:r>
               <a:rPr lang="en-US" dirty="0"/>
-              <a:t>Lecture Review</a:t>
+              <a:t>Classroom Project</a:t>
             </a:r>
           </a:p>
         </p:txBody>
@@ -3932,7 +3973,7 @@
           <p:cNvPr id="3" name="Content Placeholder 2">
             <a:extLst>
               <a:ext uri="{FF2B5EF4-FFF2-40B4-BE49-F238E27FC236}">
-                <a16:creationId xmlns:a16="http://schemas.microsoft.com/office/drawing/2014/main" id="{7B34BD81-0456-EE4A-8044-57DBD9B85993}"/>
+                <a16:creationId xmlns:a16="http://schemas.microsoft.com/office/drawing/2014/main" id="{49A699BF-6AED-7348-9DA9-0B24E933E6E3}"/>
               </a:ext>
             </a:extLst>
           </p:cNvPr>
@@ -3945,67 +3986,40 @@
         </p:nvSpPr>
         <p:spPr/>
         <p:txBody>
-          <a:bodyPr>
-            <a:normAutofit/>
-          </a:bodyPr>
+          <a:bodyPr/>
           <a:lstStyle/>
           <a:p>
             <a:r>
               <a:rPr lang="en-US" dirty="0"/>
-              <a:t>CloudFormation</a:t>
+              <a:t>Attendance</a:t>
+            </a:r>
+          </a:p>
+          <a:p>
+            <a:endParaRPr lang="en-US" dirty="0"/>
+          </a:p>
+          <a:p>
+            <a:r>
+              <a:rPr lang="en-US" dirty="0"/>
+              <a:t>Overview: </a:t>
             </a:r>
           </a:p>
           <a:p>
             <a:pPr lvl="1"/>
             <a:r>
               <a:rPr lang="en-US" dirty="0"/>
-              <a:t>Parameters</a:t>
-            </a:r>
-          </a:p>
-          <a:p>
-            <a:pPr lvl="1"/>
+              <a:t>Build a simple CloudFormation template.</a:t>
+            </a:r>
+          </a:p>
+          <a:p>
+            <a:endParaRPr lang="en-US" dirty="0"/>
+          </a:p>
+          <a:p>
             <a:r>
               <a:rPr lang="en-US" dirty="0"/>
-              <a:t>Mappings</a:t>
-            </a:r>
-          </a:p>
-          <a:p>
-            <a:pPr lvl="1"/>
-            <a:r>
-              <a:rPr lang="en-US" dirty="0"/>
-              <a:t>Conditions</a:t>
-            </a:r>
-          </a:p>
-          <a:p>
-            <a:pPr lvl="1"/>
-            <a:r>
-              <a:rPr lang="en-US" dirty="0"/>
-              <a:t>Resources</a:t>
-            </a:r>
-          </a:p>
-          <a:p>
-            <a:pPr lvl="1"/>
-            <a:r>
-              <a:rPr lang="en-US" dirty="0"/>
-              <a:t>Outputs</a:t>
-            </a:r>
-          </a:p>
-          <a:p>
-            <a:pPr lvl="1"/>
-            <a:r>
-              <a:rPr lang="en-US" dirty="0"/>
-              <a:t>Intrinsic Functions</a:t>
-            </a:r>
-          </a:p>
-          <a:p>
-            <a:pPr lvl="1"/>
-            <a:r>
-              <a:rPr lang="en-US" dirty="0"/>
-              <a:t>Pseudo parameters</a:t>
-            </a:r>
-          </a:p>
-          <a:p>
-            <a:pPr lvl="1"/>
+              <a:t>Show me your work when completed!</a:t>
+            </a:r>
+          </a:p>
+          <a:p>
             <a:endParaRPr lang="en-US" dirty="0"/>
           </a:p>
         </p:txBody>
@@ -4013,7 +4027,7 @@
     </p:spTree>
     <p:extLst>
       <p:ext uri="{BB962C8B-B14F-4D97-AF65-F5344CB8AC3E}">
-        <p14:creationId xmlns:p14="http://schemas.microsoft.com/office/powerpoint/2010/main" val="3413926875"/>
+        <p14:creationId xmlns:p14="http://schemas.microsoft.com/office/powerpoint/2010/main" val="1208524681"/>
       </p:ext>
     </p:extLst>
   </p:cSld>
@@ -4042,120 +4056,6 @@
       </p:grpSpPr>
       <p:sp>
         <p:nvSpPr>
-          <p:cNvPr id="2" name="Title 1">
-            <a:extLst>
-              <a:ext uri="{FF2B5EF4-FFF2-40B4-BE49-F238E27FC236}">
-                <a16:creationId xmlns:a16="http://schemas.microsoft.com/office/drawing/2014/main" id="{E13FF194-DC87-3B42-A050-6E8E5B014760}"/>
-              </a:ext>
-            </a:extLst>
-          </p:cNvPr>
-          <p:cNvSpPr>
-            <a:spLocks noGrp="1"/>
-          </p:cNvSpPr>
-          <p:nvPr>
-            <p:ph type="title"/>
-          </p:nvPr>
-        </p:nvSpPr>
-        <p:spPr/>
-        <p:txBody>
-          <a:bodyPr/>
-          <a:lstStyle/>
-          <a:p>
-            <a:r>
-              <a:rPr lang="en-US" dirty="0"/>
-              <a:t>Classroom Project</a:t>
-            </a:r>
-          </a:p>
-        </p:txBody>
-      </p:sp>
-      <p:sp>
-        <p:nvSpPr>
-          <p:cNvPr id="3" name="Content Placeholder 2">
-            <a:extLst>
-              <a:ext uri="{FF2B5EF4-FFF2-40B4-BE49-F238E27FC236}">
-                <a16:creationId xmlns:a16="http://schemas.microsoft.com/office/drawing/2014/main" id="{49A699BF-6AED-7348-9DA9-0B24E933E6E3}"/>
-              </a:ext>
-            </a:extLst>
-          </p:cNvPr>
-          <p:cNvSpPr>
-            <a:spLocks noGrp="1"/>
-          </p:cNvSpPr>
-          <p:nvPr>
-            <p:ph idx="1"/>
-          </p:nvPr>
-        </p:nvSpPr>
-        <p:spPr/>
-        <p:txBody>
-          <a:bodyPr/>
-          <a:lstStyle/>
-          <a:p>
-            <a:r>
-              <a:rPr lang="en-US" dirty="0"/>
-              <a:t>Attendance</a:t>
-            </a:r>
-          </a:p>
-          <a:p>
-            <a:endParaRPr lang="en-US" dirty="0"/>
-          </a:p>
-          <a:p>
-            <a:r>
-              <a:rPr lang="en-US" dirty="0"/>
-              <a:t>Overview: </a:t>
-            </a:r>
-          </a:p>
-          <a:p>
-            <a:pPr lvl="1"/>
-            <a:r>
-              <a:rPr lang="en-US" dirty="0"/>
-              <a:t>Build a simple CloudFormation template.</a:t>
-            </a:r>
-          </a:p>
-          <a:p>
-            <a:endParaRPr lang="en-US" dirty="0"/>
-          </a:p>
-          <a:p>
-            <a:r>
-              <a:rPr lang="en-US" dirty="0"/>
-              <a:t>Show me your work when completed!</a:t>
-            </a:r>
-          </a:p>
-          <a:p>
-            <a:endParaRPr lang="en-US" dirty="0"/>
-          </a:p>
-        </p:txBody>
-      </p:sp>
-    </p:spTree>
-    <p:extLst>
-      <p:ext uri="{BB962C8B-B14F-4D97-AF65-F5344CB8AC3E}">
-        <p14:creationId xmlns:p14="http://schemas.microsoft.com/office/powerpoint/2010/main" val="1208524681"/>
-      </p:ext>
-    </p:extLst>
-  </p:cSld>
-  <p:clrMapOvr>
-    <a:masterClrMapping/>
-  </p:clrMapOvr>
-</p:sld>
-</file>
-
-<file path=ppt/slides/slide7.xml><?xml version="1.0" encoding="utf-8"?>
-<p:sld xmlns:a="http://schemas.openxmlformats.org/drawingml/2006/main" xmlns:r="http://schemas.openxmlformats.org/officeDocument/2006/relationships" xmlns:p="http://schemas.openxmlformats.org/presentationml/2006/main">
-  <p:cSld>
-    <p:spTree>
-      <p:nvGrpSpPr>
-        <p:cNvPr id="1" name=""/>
-        <p:cNvGrpSpPr/>
-        <p:nvPr/>
-      </p:nvGrpSpPr>
-      <p:grpSpPr>
-        <a:xfrm>
-          <a:off x="0" y="0"/>
-          <a:ext cx="0" cy="0"/>
-          <a:chOff x="0" y="0"/>
-          <a:chExt cx="0" cy="0"/>
-        </a:xfrm>
-      </p:grpSpPr>
-      <p:sp>
-        <p:nvSpPr>
           <p:cNvPr id="2" name="Title 1"/>
           <p:cNvSpPr>
             <a:spLocks noGrp="1"/>
@@ -4193,35 +4093,20 @@
           <a:p>
             <a:r>
               <a:rPr lang="en-US" dirty="0"/>
-              <a:t>Assignment 7: CloudFormation</a:t>
-            </a:r>
+              <a:t>Assignment 7</a:t>
+            </a:r>
+            <a:r>
+              <a:rPr lang="en-US"/>
+              <a:t>: CloudFormation</a:t>
+            </a:r>
+          </a:p>
+          <a:p>
+            <a:endParaRPr lang="en-US" dirty="0"/>
           </a:p>
           <a:p>
             <a:r>
               <a:rPr lang="en-US" dirty="0"/>
-              <a:t>Read </a:t>
-            </a:r>
-            <a:r>
-              <a:rPr lang="en-US" i="1" dirty="0"/>
-              <a:t>Infrastructure as Code </a:t>
-            </a:r>
-            <a:r>
-              <a:rPr lang="en-US" dirty="0"/>
-              <a:t>Chapters 7 &amp; 8</a:t>
-            </a:r>
-          </a:p>
-          <a:p>
-            <a:r>
-              <a:rPr lang="en-US" dirty="0"/>
-              <a:t>Watch </a:t>
-            </a:r>
-            <a:r>
-              <a:rPr lang="en-US"/>
-              <a:t>Lecture 9 </a:t>
-            </a:r>
-            <a:r>
-              <a:rPr lang="en-US" dirty="0"/>
-              <a:t>videos</a:t>
+              <a:t>Watch Lecture 9 videos</a:t>
             </a:r>
           </a:p>
         </p:txBody>

--- a/review/lecture-review-week-8.pptx
+++ b/review/lecture-review-week-8.pptx
@@ -264,7 +264,7 @@
           <a:p>
             <a:fld id="{DAC1E4EF-1A07-8740-80B6-D041CCD5E262}" type="datetimeFigureOut">
               <a:rPr lang="en-US" smtClean="0"/>
-              <a:t>7/15/19</a:t>
+              <a:t>8/10/20</a:t>
             </a:fld>
             <a:endParaRPr lang="en-US"/>
           </a:p>
@@ -462,7 +462,7 @@
           <a:p>
             <a:fld id="{DAC1E4EF-1A07-8740-80B6-D041CCD5E262}" type="datetimeFigureOut">
               <a:rPr lang="en-US" smtClean="0"/>
-              <a:t>7/15/19</a:t>
+              <a:t>8/10/20</a:t>
             </a:fld>
             <a:endParaRPr lang="en-US"/>
           </a:p>
@@ -670,7 +670,7 @@
           <a:p>
             <a:fld id="{DAC1E4EF-1A07-8740-80B6-D041CCD5E262}" type="datetimeFigureOut">
               <a:rPr lang="en-US" smtClean="0"/>
-              <a:t>7/15/19</a:t>
+              <a:t>8/10/20</a:t>
             </a:fld>
             <a:endParaRPr lang="en-US"/>
           </a:p>
@@ -868,7 +868,7 @@
           <a:p>
             <a:fld id="{DAC1E4EF-1A07-8740-80B6-D041CCD5E262}" type="datetimeFigureOut">
               <a:rPr lang="en-US" smtClean="0"/>
-              <a:t>7/15/19</a:t>
+              <a:t>8/10/20</a:t>
             </a:fld>
             <a:endParaRPr lang="en-US"/>
           </a:p>
@@ -1143,7 +1143,7 @@
           <a:p>
             <a:fld id="{DAC1E4EF-1A07-8740-80B6-D041CCD5E262}" type="datetimeFigureOut">
               <a:rPr lang="en-US" smtClean="0"/>
-              <a:t>7/15/19</a:t>
+              <a:t>8/10/20</a:t>
             </a:fld>
             <a:endParaRPr lang="en-US"/>
           </a:p>
@@ -1408,7 +1408,7 @@
           <a:p>
             <a:fld id="{DAC1E4EF-1A07-8740-80B6-D041CCD5E262}" type="datetimeFigureOut">
               <a:rPr lang="en-US" smtClean="0"/>
-              <a:t>7/15/19</a:t>
+              <a:t>8/10/20</a:t>
             </a:fld>
             <a:endParaRPr lang="en-US"/>
           </a:p>
@@ -1820,7 +1820,7 @@
           <a:p>
             <a:fld id="{DAC1E4EF-1A07-8740-80B6-D041CCD5E262}" type="datetimeFigureOut">
               <a:rPr lang="en-US" smtClean="0"/>
-              <a:t>7/15/19</a:t>
+              <a:t>8/10/20</a:t>
             </a:fld>
             <a:endParaRPr lang="en-US"/>
           </a:p>
@@ -1961,7 +1961,7 @@
           <a:p>
             <a:fld id="{DAC1E4EF-1A07-8740-80B6-D041CCD5E262}" type="datetimeFigureOut">
               <a:rPr lang="en-US" smtClean="0"/>
-              <a:t>7/15/19</a:t>
+              <a:t>8/10/20</a:t>
             </a:fld>
             <a:endParaRPr lang="en-US"/>
           </a:p>
@@ -2074,7 +2074,7 @@
           <a:p>
             <a:fld id="{DAC1E4EF-1A07-8740-80B6-D041CCD5E262}" type="datetimeFigureOut">
               <a:rPr lang="en-US" smtClean="0"/>
-              <a:t>7/15/19</a:t>
+              <a:t>8/10/20</a:t>
             </a:fld>
             <a:endParaRPr lang="en-US"/>
           </a:p>
@@ -2385,7 +2385,7 @@
           <a:p>
             <a:fld id="{DAC1E4EF-1A07-8740-80B6-D041CCD5E262}" type="datetimeFigureOut">
               <a:rPr lang="en-US" smtClean="0"/>
-              <a:t>7/15/19</a:t>
+              <a:t>8/10/20</a:t>
             </a:fld>
             <a:endParaRPr lang="en-US"/>
           </a:p>
@@ -2673,7 +2673,7 @@
           <a:p>
             <a:fld id="{DAC1E4EF-1A07-8740-80B6-D041CCD5E262}" type="datetimeFigureOut">
               <a:rPr lang="en-US" smtClean="0"/>
-              <a:t>7/15/19</a:t>
+              <a:t>8/10/20</a:t>
             </a:fld>
             <a:endParaRPr lang="en-US"/>
           </a:p>
@@ -2914,7 +2914,7 @@
           <a:p>
             <a:fld id="{DAC1E4EF-1A07-8740-80B6-D041CCD5E262}" type="datetimeFigureOut">
               <a:rPr lang="en-US" smtClean="0"/>
-              <a:t>7/15/19</a:t>
+              <a:t>8/10/20</a:t>
             </a:fld>
             <a:endParaRPr lang="en-US"/>
           </a:p>
@@ -3361,8 +3361,8 @@
               <a:rPr lang="en-US" sz="3600" dirty="0"/>
             </a:br>
             <a:r>
-              <a:rPr lang="en-US" sz="3600" dirty="0"/>
-              <a:t>SEIS 665</a:t>
+              <a:rPr lang="en-US" sz="3600"/>
+              <a:t>SEIS 615</a:t>
             </a:r>
             <a:br>
               <a:rPr lang="en-US" sz="3600" dirty="0"/>
